--- a/template/Questoes_Desafio.pptx
+++ b/template/Questoes_Desafio.pptx
@@ -262,7 +262,7 @@
       </p15:sldGuideLst>
     </p:ext>
     <p:ext uri="GoogleSlidesCustomDataVersion2">
-      <go:slidesCustomData xmlns="" xmlns:mc="http://schemas.openxmlformats.org/markup-compatibility/2006" xmlns:mv="urn:schemas-microsoft-com:mac:vml" xmlns:c="http://schemas.openxmlformats.org/drawingml/2006/chart" xmlns:dgm="http://schemas.openxmlformats.org/drawingml/2006/diagram" xmlns:o="urn:schemas-microsoft-com:office:office" xmlns:v="urn:schemas-microsoft-com:vml" xmlns:pvml="urn:schemas-microsoft-com:office:powerpoint" xmlns:com="http://schemas.openxmlformats.org/drawingml/2006/compatibility" xmlns:p14="http://schemas.microsoft.com/office/powerpoint/2010/main" xmlns:p15="http://schemas.microsoft.com/office/powerpoint/2012/main" xmlns:ahyp="http://schemas.microsoft.com/office/drawing/2018/hyperlinkcolor" xmlns:go="http://customooxmlschemas.google.com/" r:id="rId27" roundtripDataSignature="AMtx7mgi/y+fcqq1kn38//Ml9KTNeFtUDQ=="/>
+      <go:slidesCustomData xmlns:go="http://customooxmlschemas.google.com/" xmlns:ahyp="http://schemas.microsoft.com/office/drawing/2018/hyperlinkcolor" xmlns:p15="http://schemas.microsoft.com/office/powerpoint/2012/main" xmlns:p14="http://schemas.microsoft.com/office/powerpoint/2010/main" xmlns:com="http://schemas.openxmlformats.org/drawingml/2006/compatibility" xmlns:pvml="urn:schemas-microsoft-com:office:powerpoint" xmlns:v="urn:schemas-microsoft-com:vml" xmlns:o="urn:schemas-microsoft-com:office:office" xmlns:dgm="http://schemas.openxmlformats.org/drawingml/2006/diagram" xmlns:c="http://schemas.openxmlformats.org/drawingml/2006/chart" xmlns:mv="urn:schemas-microsoft-com:mac:vml" xmlns:mc="http://schemas.openxmlformats.org/markup-compatibility/2006" xmlns="" r:id="rId27" roundtripDataSignature="AMtx7mgi/y+fcqq1kn38//Ml9KTNeFtUDQ=="/>
     </p:ext>
   </p:extLst>
 </p:presentation>
@@ -14367,87 +14367,6 @@
           </a:p>
         </p:txBody>
       </p:sp>
-      <p:pic>
-        <p:nvPicPr>
-          <p:cNvPr id="269" name="Google Shape;269;p75"/>
-          <p:cNvPicPr preferRelativeResize="0"/>
-          <p:nvPr/>
-        </p:nvPicPr>
-        <p:blipFill rotWithShape="1">
-          <a:blip r:embed="rId3">
-            <a:alphaModFix/>
-          </a:blip>
-          <a:srcRect b="51359"/>
-          <a:stretch/>
-        </p:blipFill>
-        <p:spPr>
-          <a:xfrm>
-            <a:off x="10444533" y="6045538"/>
-            <a:ext cx="1654633" cy="685800"/>
-          </a:xfrm>
-          <a:prstGeom prst="rect">
-            <a:avLst/>
-          </a:prstGeom>
-          <a:noFill/>
-          <a:ln>
-            <a:noFill/>
-          </a:ln>
-        </p:spPr>
-      </p:pic>
-      <p:pic>
-        <p:nvPicPr>
-          <p:cNvPr id="271" name="Google Shape;271;p75"/>
-          <p:cNvPicPr preferRelativeResize="0"/>
-          <p:nvPr/>
-        </p:nvPicPr>
-        <p:blipFill rotWithShape="1">
-          <a:blip r:embed="rId4">
-            <a:alphaModFix/>
-          </a:blip>
-          <a:srcRect/>
-          <a:stretch/>
-        </p:blipFill>
-        <p:spPr>
-          <a:xfrm>
-            <a:off x="411552" y="345296"/>
-            <a:ext cx="1031259" cy="568224"/>
-          </a:xfrm>
-          <a:prstGeom prst="rect">
-            <a:avLst/>
-          </a:prstGeom>
-          <a:noFill/>
-          <a:ln>
-            <a:noFill/>
-          </a:ln>
-        </p:spPr>
-      </p:pic>
-      <p:pic>
-        <p:nvPicPr>
-          <p:cNvPr id="272" name="Google Shape;272;p75"/>
-          <p:cNvPicPr preferRelativeResize="0"/>
-          <p:nvPr/>
-        </p:nvPicPr>
-        <p:blipFill rotWithShape="1">
-          <a:blip r:embed="rId5">
-            <a:alphaModFix/>
-          </a:blip>
-          <a:srcRect/>
-          <a:stretch/>
-        </p:blipFill>
-        <p:spPr>
-          <a:xfrm>
-            <a:off x="9842974" y="-16728"/>
-            <a:ext cx="2162400" cy="1216350"/>
-          </a:xfrm>
-          <a:prstGeom prst="rect">
-            <a:avLst/>
-          </a:prstGeom>
-          <a:noFill/>
-          <a:ln>
-            <a:noFill/>
-          </a:ln>
-        </p:spPr>
-      </p:pic>
       <p:sp>
         <p:nvSpPr>
           <p:cNvPr id="2" name="id">
@@ -14847,7 +14766,7 @@
         <p:fade/>
       </p:transition>
     </mc:Choice>
-    <mc:Fallback xmlns="" xmlns:mv="urn:schemas-microsoft-com:mac:vml" xmlns:c="http://schemas.openxmlformats.org/drawingml/2006/chart" xmlns:dgm="http://schemas.openxmlformats.org/drawingml/2006/diagram" xmlns:o="urn:schemas-microsoft-com:office:office" xmlns:v="urn:schemas-microsoft-com:vml" xmlns:pvml="urn:schemas-microsoft-com:office:powerpoint" xmlns:com="http://schemas.openxmlformats.org/drawingml/2006/compatibility" xmlns:p15="http://schemas.microsoft.com/office/powerpoint/2012/main" xmlns:ahyp="http://schemas.microsoft.com/office/drawing/2018/hyperlinkcolor">
+    <mc:Fallback xmlns:ahyp="http://schemas.microsoft.com/office/drawing/2018/hyperlinkcolor" xmlns:p15="http://schemas.microsoft.com/office/powerpoint/2012/main" xmlns:com="http://schemas.openxmlformats.org/drawingml/2006/compatibility" xmlns:pvml="urn:schemas-microsoft-com:office:powerpoint" xmlns:v="urn:schemas-microsoft-com:vml" xmlns:o="urn:schemas-microsoft-com:office:office" xmlns:dgm="http://schemas.openxmlformats.org/drawingml/2006/diagram" xmlns:c="http://schemas.openxmlformats.org/drawingml/2006/chart" xmlns:mv="urn:schemas-microsoft-com:mac:vml" xmlns="">
       <p:transition spd="slow">
         <p:fade/>
       </p:transition>
